--- a/Powerpoint/COS 214 Project powerpoint_Buildings.pptx
+++ b/Powerpoint/COS 214 Project powerpoint_Buildings.pptx
@@ -6716,7 +6716,7 @@
         </p:spPr>
         <p:txBody>
           <a:bodyPr>
-            <a:normAutofit/>
+            <a:normAutofit lnSpcReduction="10000"/>
           </a:bodyPr>
           <a:lstStyle/>
           <a:p>
@@ -6823,6 +6823,21 @@
               <a:rPr lang="en-US" sz="2000" dirty="0"/>
               <a:t>Each subtype has its own unique factors, for example, resource allocation, calculation of square footage, the number of rooms created, and many more. This differentiation ensures that the build function for each type of building is tailored to its specific requirements.</a:t>
             </a:r>
+          </a:p>
+          <a:p>
+            <a:r>
+              <a:rPr lang="en-US" sz="2000" dirty="0"/>
+              <a:t>We also implemented the </a:t>
+            </a:r>
+            <a:r>
+              <a:rPr lang="en-US" sz="2000" b="1" dirty="0"/>
+              <a:t>Prototype design pattern, </a:t>
+            </a:r>
+            <a:r>
+              <a:rPr lang="en-US" sz="2000" dirty="0"/>
+              <a:t>enabling us to create new instances of buildings by cloning existing ones.</a:t>
+            </a:r>
+            <a:endParaRPr lang="en-US" sz="2000" b="1" dirty="0"/>
           </a:p>
           <a:p>
             <a:r>
@@ -7219,12 +7234,12 @@
         <p:spPr>
           <a:xfrm>
             <a:off x="838200" y="1825625"/>
-            <a:ext cx="10515600" cy="4351338"/>
+            <a:ext cx="10755702" cy="4351338"/>
           </a:xfrm>
         </p:spPr>
         <p:txBody>
           <a:bodyPr>
-            <a:normAutofit fontScale="77500" lnSpcReduction="20000"/>
+            <a:normAutofit fontScale="85000" lnSpcReduction="20000"/>
           </a:bodyPr>
           <a:lstStyle/>
           <a:p>
@@ -7232,7 +7247,7 @@
               <a:buNone/>
             </a:pPr>
             <a:r>
-              <a:rPr lang="en-US" b="1" dirty="0"/>
+              <a:rPr lang="en-US" b="1" u="sng" dirty="0"/>
               <a:t>Relationships that were created between Buildings and Citizens: </a:t>
             </a:r>
           </a:p>
@@ -7241,16 +7256,16 @@
               <a:buNone/>
             </a:pPr>
             <a:r>
-              <a:rPr lang="en-US" b="1" dirty="0" err="1"/>
+              <a:rPr lang="en-US" i="1" dirty="0" err="1"/>
               <a:t>CommercialWorker</a:t>
             </a:r>
             <a:r>
-              <a:rPr lang="en-US" b="1" dirty="0"/>
-              <a:t>:</a:t>
+              <a:rPr lang="en-US" i="1" dirty="0"/>
+              <a:t>: </a:t>
             </a:r>
             <a:r>
               <a:rPr lang="en-US" dirty="0"/>
-              <a:t> Workplace: shop/mall/office    Residence: House </a:t>
+              <a:t>Workplace: shop/mall/office    Residence: House </a:t>
             </a:r>
           </a:p>
           <a:p>
@@ -7258,11 +7273,11 @@
               <a:buNone/>
             </a:pPr>
             <a:r>
-              <a:rPr lang="en-US" b="1" dirty="0" err="1"/>
+              <a:rPr lang="en-US" i="1" dirty="0" err="1"/>
               <a:t>GovernmentWorker</a:t>
             </a:r>
             <a:r>
-              <a:rPr lang="en-US" b="1" dirty="0"/>
+              <a:rPr lang="en-US" i="1" dirty="0"/>
               <a:t>: </a:t>
             </a:r>
             <a:r>
@@ -7275,16 +7290,16 @@
               <a:buNone/>
             </a:pPr>
             <a:r>
-              <a:rPr lang="en-US" b="1" dirty="0" err="1"/>
+              <a:rPr lang="en-US" i="1" dirty="0" err="1"/>
               <a:t>IndustrialWorker</a:t>
             </a:r>
             <a:r>
-              <a:rPr lang="en-US" b="1" dirty="0"/>
-              <a:t>:</a:t>
+              <a:rPr lang="en-US" i="1" dirty="0"/>
+              <a:t>: </a:t>
             </a:r>
             <a:r>
               <a:rPr lang="en-US" dirty="0"/>
-              <a:t> Workplace: warehouse/plant/factory    Residence: Apartment</a:t>
+              <a:t>Workplace: warehouse/plant/factory    Residence: Apartment</a:t>
             </a:r>
             <a:endParaRPr lang="en-ZA" dirty="0"/>
           </a:p>
@@ -7350,37 +7365,27 @@
               <a:rPr lang="en-US" dirty="0"/>
               <a:t>: Shop, Mall, Office,</a:t>
             </a:r>
-            <a:endParaRPr lang="en-ZA" dirty="0"/>
-          </a:p>
-          <a:p>
-            <a:pPr marL="2743200" lvl="6" indent="0">
-              <a:buNone/>
-            </a:pPr>
+            <a:r>
+              <a:rPr lang="en-ZA" sz="2800" dirty="0"/>
+              <a:t>Warehouse, Factory, </a:t>
+            </a:r>
+            <a:r>
+              <a:rPr lang="en-ZA" sz="2800" dirty="0" err="1"/>
+              <a:t>Plant,House</a:t>
+            </a:r>
+            <a:r>
+              <a:rPr lang="en-ZA" sz="2800" dirty="0"/>
+              <a:t>, Apartment, 		          Mansion, Hospital, School, Government</a:t>
+            </a:r>
+          </a:p>
+          <a:p>
             <a:r>
               <a:rPr lang="en-ZA" dirty="0"/>
-              <a:t>   </a:t>
+              <a:t>a</a:t>
             </a:r>
             <a:r>
               <a:rPr lang="en-ZA" sz="2800" dirty="0"/>
-              <a:t>Warehouse, Factory, Plant,</a:t>
-            </a:r>
-          </a:p>
-          <a:p>
-            <a:pPr marL="2743200" lvl="6" indent="0">
-              <a:buNone/>
-            </a:pPr>
-            <a:r>
-              <a:rPr lang="en-ZA" sz="2800" dirty="0"/>
-              <a:t>  House, Apartment, Mansion</a:t>
-            </a:r>
-          </a:p>
-          <a:p>
-            <a:pPr marL="2743200" lvl="6" indent="0">
-              <a:buNone/>
-            </a:pPr>
-            <a:r>
-              <a:rPr lang="en-ZA" sz="2800" dirty="0"/>
-              <a:t>  Hospital, School, Government</a:t>
+              <a:t>lgorithm(): build()</a:t>
             </a:r>
           </a:p>
         </p:txBody>

--- a/Powerpoint/COS 214 Project powerpoint_Buildings.pptx
+++ b/Powerpoint/COS 214 Project powerpoint_Buildings.pptx
@@ -6716,7 +6716,7 @@
         </p:spPr>
         <p:txBody>
           <a:bodyPr>
-            <a:normAutofit lnSpcReduction="10000"/>
+            <a:normAutofit/>
           </a:bodyPr>
           <a:lstStyle/>
           <a:p>
@@ -6757,7 +6757,7 @@
             </a:r>
             <a:r>
               <a:rPr lang="en-US" sz="2000" b="1" dirty="0"/>
-              <a:t>Strategy design pattern</a:t>
+              <a:t>Prototype design pattern</a:t>
             </a:r>
             <a:r>
               <a:rPr lang="en-US" sz="2000" dirty="0"/>
@@ -6821,23 +6821,8 @@
           <a:p>
             <a:r>
               <a:rPr lang="en-US" sz="2000" dirty="0"/>
-              <a:t>Each subtype has its own unique factors, for example, resource allocation, calculation of square footage, the number of rooms created, and many more. This differentiation ensures that the build function for each type of building is tailored to its specific requirements.</a:t>
-            </a:r>
-          </a:p>
-          <a:p>
-            <a:r>
-              <a:rPr lang="en-US" sz="2000" dirty="0"/>
-              <a:t>We also implemented the </a:t>
-            </a:r>
-            <a:r>
-              <a:rPr lang="en-US" sz="2000" b="1" dirty="0"/>
-              <a:t>Prototype design pattern, </a:t>
-            </a:r>
-            <a:r>
-              <a:rPr lang="en-US" sz="2000" dirty="0"/>
-              <a:t>enabling us to create new instances of buildings by cloning existing ones.</a:t>
-            </a:r>
-            <a:endParaRPr lang="en-US" sz="2000" b="1" dirty="0"/>
+              <a:t>Each subtype has its own unique factors, for example, resource allocation, calculation of square footage and many more. This differentiation ensures that the build function for each type of building is tailored to its specific requirements. Once an object is created, it can be easily cloned, enabling the efficient generation of similar building instances.</a:t>
+            </a:r>
           </a:p>
           <a:p>
             <a:r>
@@ -7233,13 +7218,13 @@
         </p:nvSpPr>
         <p:spPr>
           <a:xfrm>
-            <a:off x="838200" y="1825625"/>
-            <a:ext cx="10755702" cy="4351338"/>
+            <a:off x="448575" y="1825625"/>
+            <a:ext cx="11352361" cy="4351338"/>
           </a:xfrm>
         </p:spPr>
         <p:txBody>
           <a:bodyPr>
-            <a:normAutofit fontScale="85000" lnSpcReduction="20000"/>
+            <a:normAutofit fontScale="92500"/>
           </a:bodyPr>
           <a:lstStyle/>
           <a:p>
@@ -7282,8 +7267,13 @@
             </a:r>
             <a:r>
               <a:rPr lang="en-US" dirty="0"/>
-              <a:t>Workplace: school/hospital/government    Residence: Mansion</a:t>
-            </a:r>
+              <a:t>Workplace: school/hospital/government    </a:t>
+            </a:r>
+            <a:r>
+              <a:rPr lang="en-US" dirty="0" err="1"/>
+              <a:t>Residence:Mansion</a:t>
+            </a:r>
+            <a:endParaRPr lang="en-US" dirty="0"/>
           </a:p>
           <a:p>
             <a:pPr marL="0" indent="0">
@@ -7321,13 +7311,7 @@
           <a:p>
             <a:r>
               <a:rPr lang="en-ZA" dirty="0"/>
-              <a:t>Context: Building</a:t>
-            </a:r>
-          </a:p>
-          <a:p>
-            <a:r>
-              <a:rPr lang="en-ZA" dirty="0"/>
-              <a:t>Strategy: </a:t>
+              <a:t>Prototype: </a:t>
             </a:r>
             <a:r>
               <a:rPr lang="en-US" sz="2800" dirty="0"/>
@@ -7358,8 +7342,12 @@
           </a:p>
           <a:p>
             <a:r>
-              <a:rPr lang="en-US" dirty="0" err="1"/>
-              <a:t>ConcreteStrategy</a:t>
+              <a:rPr lang="en-US" dirty="0"/>
+              <a:t>Concrete</a:t>
+            </a:r>
+            <a:r>
+              <a:rPr lang="en-ZA" dirty="0"/>
+              <a:t>Prototype </a:t>
             </a:r>
             <a:r>
               <a:rPr lang="en-US" dirty="0"/>
@@ -7375,17 +7363,15 @@
             </a:r>
             <a:r>
               <a:rPr lang="en-ZA" sz="2800" dirty="0"/>
-              <a:t>, Apartment, 		          Mansion, Hospital, School, Government</a:t>
-            </a:r>
-          </a:p>
-          <a:p>
+              <a:t>, 				   	   Apartment</a:t>
+            </a:r>
             <a:r>
               <a:rPr lang="en-ZA" dirty="0"/>
-              <a:t>a</a:t>
+              <a:t>, </a:t>
             </a:r>
             <a:r>
               <a:rPr lang="en-ZA" sz="2800" dirty="0"/>
-              <a:t>lgorithm(): build()</a:t>
+              <a:t>Mansion, Hospital, School, Government</a:t>
             </a:r>
           </a:p>
         </p:txBody>
